--- a/OUCC2015-Service_Oriented_Enterprise.pptx
+++ b/OUCC2015-Service_Oriented_Enterprise.pptx
@@ -48,7 +48,6 @@
     <p:sldId id="293" r:id="rId45"/>
     <p:sldId id="294" r:id="rId46"/>
     <p:sldId id="295" r:id="rId47"/>
-    <p:sldId id="296" r:id="rId48"/>
   </p:sldIdLst>
   <p:sldSz cx="12192000" cy="6858000"/>
   <p:notesSz cx="6858000" cy="9144000"/>
@@ -8408,7 +8407,7 @@
           </a:prstGeom>
         </p:spPr>
         <p:txBody>
-          <a:bodyPr lIns="0" tIns="0" rIns="0" bIns="0"/>
+          <a:bodyPr/>
           <a:lstStyle/>
           <a:p>
             <a:pPr lvl="0">
@@ -8416,7 +8415,7 @@
             </a:pPr>
             <a:r>
               <a:rPr sz="4400"/>
-              <a:t>Why SOA? Ask Stevey!</a:t>
+              <a:t>Governance: the questions we need to ask.</a:t>
             </a:r>
           </a:p>
         </p:txBody>
@@ -8435,34 +8434,53 @@
           </a:prstGeom>
         </p:spPr>
         <p:txBody>
-          <a:bodyPr lIns="0" tIns="0" rIns="0" bIns="0"/>
-          <a:lstStyle>
-            <a:lvl1pPr marL="0" indent="0">
-              <a:buSzTx/>
+          <a:bodyPr/>
+          <a:lstStyle/>
+          <a:p>
+            <a:pPr lvl="0" marL="374315" indent="-374315">
               <a:buFontTx/>
-              <a:buNone/>
-            </a:lvl1pPr>
-            <a:lvl2pPr marL="661736" indent="-280736">
+              <a:buAutoNum type="arabicPeriod" startAt="1"/>
+              <a:defRPr sz="1800"/>
+            </a:pPr>
+            <a:r>
+              <a:rPr sz="2800"/>
+              <a:t>If we continue duplicating high cost / low impact work across our organizations (province?) what is the Opportunity Cost?</a:t>
+            </a:r>
+            <a:endParaRPr sz="2800"/>
+          </a:p>
+          <a:p>
+            <a:pPr lvl="0" marL="374315" indent="-374315">
               <a:buFontTx/>
-            </a:lvl2pPr>
-          </a:lstStyle>
-          <a:p>
-            <a:pPr lvl="0">
-              <a:defRPr sz="1800"/>
-            </a:pPr>
-            <a:r>
-              <a:rPr sz="2800"/>
-              <a:t>Moral of the story:</a:t>
+              <a:buAutoNum type="arabicPeriod" startAt="1"/>
+              <a:defRPr sz="1800"/>
+            </a:pPr>
+            <a:r>
+              <a:rPr sz="2800"/>
+              <a:t>How are resources provisioned to support activities?  If funds flow to decentralized parties / agents, how do we convince them to share services?</a:t>
             </a:r>
             <a:endParaRPr sz="2800"/>
           </a:p>
           <a:p>
-            <a:pPr lvl="1">
-              <a:defRPr sz="1800"/>
-            </a:pPr>
-            <a:r>
-              <a:rPr sz="2800"/>
-              <a:t>There is evidence that an organization is able to thrive in their market after adopting an SOA mandate They were able to develop marketable value-add functionality following their adoption of SOA. They accomplished this by imposing a requirement that everyone always use ’Services.’ Amazon used a series of Lego blocks to combine functionality in a wide variety of ways.</a:t>
+            <a:pPr lvl="0" marL="374315" indent="-374315">
+              <a:buFontTx/>
+              <a:buAutoNum type="arabicPeriod" startAt="1"/>
+              <a:defRPr sz="1800"/>
+            </a:pPr>
+            <a:r>
+              <a:rPr sz="2800"/>
+              <a:t>Can a discipline like Enterprise Architecture help?</a:t>
+            </a:r>
+            <a:endParaRPr sz="2800"/>
+          </a:p>
+          <a:p>
+            <a:pPr lvl="0" marL="374315" indent="-374315">
+              <a:buFontTx/>
+              <a:buAutoNum type="arabicPeriod" startAt="1"/>
+              <a:defRPr sz="1800"/>
+            </a:pPr>
+            <a:r>
+              <a:rPr sz="2800"/>
+              <a:t>How can we help our business clients see the value of modelling their activities as services?  How do we build complete models that allow the value chain from back office to client to be measured?</a:t>
             </a:r>
           </a:p>
         </p:txBody>
@@ -8476,10 +8494,6 @@
           </p:nvPr>
         </p:nvSpPr>
         <p:spPr>
-          <a:xfrm>
-            <a:off x="8610600" y="6404294"/>
-            <a:ext cx="2743200" cy="269241"/>
-          </a:xfrm>
           <a:prstGeom prst="rect">
             <a:avLst/>
           </a:prstGeom>
@@ -8490,7 +8504,7 @@
           </a:extLst>
         </p:spPr>
         <p:txBody>
-          <a:bodyPr lIns="0" tIns="0" rIns="0" bIns="0"/>
+          <a:bodyPr/>
           <a:lstStyle/>
           <a:p>
             <a:pPr lvl="0">
@@ -8558,7 +8572,7 @@
             </a:pPr>
             <a:r>
               <a:rPr sz="4400"/>
-              <a:t>Governance: the questions we need to ask.</a:t>
+              <a:t>Game Plan for building an SOE</a:t>
             </a:r>
           </a:p>
         </p:txBody>
@@ -8587,43 +8601,64 @@
             </a:pPr>
             <a:r>
               <a:rPr sz="2800"/>
-              <a:t>If we continue duplicating high cost / low impact work across our organizations (province?) what is the Opportunity Cost?</a:t>
+              <a:t>Control what you can.</a:t>
+            </a:r>
+            <a:endParaRPr sz="2800"/>
+          </a:p>
+          <a:p>
+            <a:pPr lvl="1" marL="661736" indent="-280736">
+              <a:buFontTx/>
+              <a:defRPr sz="1800"/>
+            </a:pPr>
+            <a:r>
+              <a:rPr sz="2800"/>
+              <a:t>Get IT in order, build radical Service-Orientation within your organizations.</a:t>
             </a:r>
             <a:endParaRPr sz="2800"/>
           </a:p>
           <a:p>
             <a:pPr lvl="0" marL="374315" indent="-374315">
               <a:buFontTx/>
-              <a:buAutoNum type="arabicPeriod" startAt="1"/>
-              <a:defRPr sz="1800"/>
-            </a:pPr>
-            <a:r>
-              <a:rPr sz="2800"/>
-              <a:t>How are resources provisioned to support activities?  If funds flow to decentralized parties / agents, how do we convince them to share services?</a:t>
+              <a:buAutoNum type="arabicPeriod" startAt="2"/>
+              <a:defRPr sz="1800"/>
+            </a:pPr>
+            <a:r>
+              <a:rPr sz="2800"/>
+              <a:t>Learn what it means to be Service-Oriented.  Trial by fire.</a:t>
+            </a:r>
+            <a:endParaRPr sz="2800"/>
+          </a:p>
+          <a:p>
+            <a:pPr lvl="1" marL="661736" indent="-280736">
+              <a:buFontTx/>
+              <a:defRPr sz="1800"/>
+            </a:pPr>
+            <a:r>
+              <a:rPr sz="2800"/>
+              <a:t>Make your mistakes, pick yourself up, and learn from them.</a:t>
+            </a:r>
+            <a:endParaRPr sz="2800"/>
+          </a:p>
+          <a:p>
+            <a:pPr lvl="1" marL="661736" indent="-280736">
+              <a:buFontTx/>
+              <a:defRPr sz="1800"/>
+            </a:pPr>
+            <a:r>
+              <a:rPr sz="2800"/>
+              <a:t>Adopt LEAN and Agile mindsets.  Business value is the primary driver.  Fail early, learn often is the new IT mantra.</a:t>
             </a:r>
             <a:endParaRPr sz="2800"/>
           </a:p>
           <a:p>
             <a:pPr lvl="0" marL="374315" indent="-374315">
               <a:buFontTx/>
-              <a:buAutoNum type="arabicPeriod" startAt="1"/>
-              <a:defRPr sz="1800"/>
-            </a:pPr>
-            <a:r>
-              <a:rPr sz="2800"/>
-              <a:t>Can a discipline like Enterprise Architecture help?</a:t>
-            </a:r>
-            <a:endParaRPr sz="2800"/>
-          </a:p>
-          <a:p>
-            <a:pPr lvl="0" marL="374315" indent="-374315">
-              <a:buFontTx/>
-              <a:buAutoNum type="arabicPeriod" startAt="1"/>
-              <a:defRPr sz="1800"/>
-            </a:pPr>
-            <a:r>
-              <a:rPr sz="2800"/>
-              <a:t>How can we help our business clients see the value of modelling their activities as services?  How do we build complete models that allow the value chain from back office to client to be measured?</a:t>
+              <a:buAutoNum type="arabicPeriod" startAt="3"/>
+              <a:defRPr sz="1800"/>
+            </a:pPr>
+            <a:r>
+              <a:rPr sz="2800"/>
+              <a:t>Help the Business learn to think radical Service-Orientation.</a:t>
             </a:r>
           </a:p>
         </p:txBody>
@@ -8836,184 +8871,6 @@
           </p:nvPr>
         </p:nvSpPr>
         <p:spPr>
-          <a:prstGeom prst="rect">
-            <a:avLst/>
-          </a:prstGeom>
-        </p:spPr>
-        <p:txBody>
-          <a:bodyPr/>
-          <a:lstStyle/>
-          <a:p>
-            <a:pPr lvl="0">
-              <a:defRPr sz="1800"/>
-            </a:pPr>
-            <a:r>
-              <a:rPr sz="4400"/>
-              <a:t>Game Plan for building an SOE</a:t>
-            </a:r>
-          </a:p>
-        </p:txBody>
-      </p:sp>
-      <p:sp>
-        <p:nvSpPr>
-          <p:cNvPr id="228" name="Shape 228"/>
-          <p:cNvSpPr/>
-          <p:nvPr>
-            <p:ph type="body" idx="1"/>
-          </p:nvPr>
-        </p:nvSpPr>
-        <p:spPr>
-          <a:prstGeom prst="rect">
-            <a:avLst/>
-          </a:prstGeom>
-        </p:spPr>
-        <p:txBody>
-          <a:bodyPr/>
-          <a:lstStyle/>
-          <a:p>
-            <a:pPr lvl="0" marL="374315" indent="-374315">
-              <a:buFontTx/>
-              <a:buAutoNum type="arabicPeriod" startAt="1"/>
-              <a:defRPr sz="1800"/>
-            </a:pPr>
-            <a:r>
-              <a:rPr sz="2800"/>
-              <a:t>Control what you can.</a:t>
-            </a:r>
-            <a:endParaRPr sz="2800"/>
-          </a:p>
-          <a:p>
-            <a:pPr lvl="1" marL="661736" indent="-280736">
-              <a:buFontTx/>
-              <a:defRPr sz="1800"/>
-            </a:pPr>
-            <a:r>
-              <a:rPr sz="2800"/>
-              <a:t>Get IT in order, build radical Service-Orientation within your organizations.</a:t>
-            </a:r>
-            <a:endParaRPr sz="2800"/>
-          </a:p>
-          <a:p>
-            <a:pPr lvl="0" marL="374315" indent="-374315">
-              <a:buFontTx/>
-              <a:buAutoNum type="arabicPeriod" startAt="2"/>
-              <a:defRPr sz="1800"/>
-            </a:pPr>
-            <a:r>
-              <a:rPr sz="2800"/>
-              <a:t>Learn what it means to be Service-Oriented.  Trial by fire.</a:t>
-            </a:r>
-            <a:endParaRPr sz="2800"/>
-          </a:p>
-          <a:p>
-            <a:pPr lvl="1" marL="661736" indent="-280736">
-              <a:buFontTx/>
-              <a:defRPr sz="1800"/>
-            </a:pPr>
-            <a:r>
-              <a:rPr sz="2800"/>
-              <a:t>Make your mistakes, pick yourself up, and learn from them.</a:t>
-            </a:r>
-            <a:endParaRPr sz="2800"/>
-          </a:p>
-          <a:p>
-            <a:pPr lvl="1" marL="661736" indent="-280736">
-              <a:buFontTx/>
-              <a:defRPr sz="1800"/>
-            </a:pPr>
-            <a:r>
-              <a:rPr sz="2800"/>
-              <a:t>Adopt LEAN and Agile mindsets.  Business value is the primary driver.  Fail early, learn often is the new IT mantra.</a:t>
-            </a:r>
-            <a:endParaRPr sz="2800"/>
-          </a:p>
-          <a:p>
-            <a:pPr lvl="0" marL="374315" indent="-374315">
-              <a:buFontTx/>
-              <a:buAutoNum type="arabicPeriod" startAt="3"/>
-              <a:defRPr sz="1800"/>
-            </a:pPr>
-            <a:r>
-              <a:rPr sz="2800"/>
-              <a:t>Help the Business learn to think radical Service-Orientation.</a:t>
-            </a:r>
-          </a:p>
-        </p:txBody>
-      </p:sp>
-      <p:sp>
-        <p:nvSpPr>
-          <p:cNvPr id="229" name="Shape 229"/>
-          <p:cNvSpPr/>
-          <p:nvPr>
-            <p:ph type="sldNum" sz="quarter" idx="2"/>
-          </p:nvPr>
-        </p:nvSpPr>
-        <p:spPr>
-          <a:prstGeom prst="rect">
-            <a:avLst/>
-          </a:prstGeom>
-          <a:extLst>
-            <a:ext uri="{C572A759-6A51-4108-AA02-DFA0A04FC94B}">
-              <ma14:wrappingTextBoxFlag xmlns:ma14="http://schemas.microsoft.com/office/mac/drawingml/2011/main" val="1"/>
-            </a:ext>
-          </a:extLst>
-        </p:spPr>
-        <p:txBody>
-          <a:bodyPr/>
-          <a:lstStyle/>
-          <a:p>
-            <a:pPr lvl="0">
-              <a:defRPr sz="1800">
-                <a:solidFill>
-                  <a:srgbClr val="000000"/>
-                </a:solidFill>
-              </a:defRPr>
-            </a:pPr>
-            <a:fld id="{86CB4B4D-7CA3-9044-876B-883B54F8677D}" type="slidenum">
-              <a:rPr sz="1200">
-                <a:solidFill>
-                  <a:srgbClr val="888888"/>
-                </a:solidFill>
-              </a:rPr>
-            </a:fld>
-          </a:p>
-        </p:txBody>
-      </p:sp>
-    </p:spTree>
-  </p:cSld>
-  <p:clrMapOvr>
-    <a:masterClrMapping/>
-  </p:clrMapOvr>
-  <p:transition spd="med" advClick="1"/>
-</p:sld>
-</file>
-
-<file path=ppt/slides/slide41.xml><?xml version="1.0" encoding="utf-8"?>
-<p:sld xmlns:a="http://schemas.openxmlformats.org/drawingml/2006/main" xmlns:r="http://schemas.openxmlformats.org/officeDocument/2006/relationships" xmlns:p="http://schemas.openxmlformats.org/presentationml/2006/main" showMasterSp="1" showMasterPhAnim="1">
-  <p:cSld>
-    <p:spTree>
-      <p:nvGrpSpPr>
-        <p:cNvPr id="1" name=""/>
-        <p:cNvGrpSpPr/>
-        <p:nvPr/>
-      </p:nvGrpSpPr>
-      <p:grpSpPr>
-        <a:xfrm>
-          <a:off x="0" y="0"/>
-          <a:ext cx="0" cy="0"/>
-          <a:chOff x="0" y="0"/>
-          <a:chExt cx="0" cy="0"/>
-        </a:xfrm>
-      </p:grpSpPr>
-      <p:sp>
-        <p:nvSpPr>
-          <p:cNvPr id="231" name="Shape 231"/>
-          <p:cNvSpPr/>
-          <p:nvPr>
-            <p:ph type="title"/>
-          </p:nvPr>
-        </p:nvSpPr>
-        <p:spPr>
           <a:xfrm>
             <a:off x="3048000" y="0"/>
             <a:ext cx="9144000" cy="2387600"/>
@@ -9054,7 +8911,7 @@
       </p:sp>
       <p:sp>
         <p:nvSpPr>
-          <p:cNvPr id="232" name="Shape 232"/>
+          <p:cNvPr id="228" name="Shape 228"/>
           <p:cNvSpPr/>
           <p:nvPr>
             <p:ph type="body" idx="1"/>
@@ -9089,7 +8946,7 @@
       </p:sp>
       <p:pic>
         <p:nvPicPr>
-          <p:cNvPr id="233" name="image2.png"/>
+          <p:cNvPr id="229" name="image2.png"/>
           <p:cNvPicPr/>
           <p:nvPr/>
         </p:nvPicPr>
@@ -9116,7 +8973,7 @@
       </p:pic>
       <p:sp>
         <p:nvSpPr>
-          <p:cNvPr id="234" name="Shape 234"/>
+          <p:cNvPr id="230" name="Shape 230"/>
           <p:cNvSpPr/>
           <p:nvPr/>
         </p:nvSpPr>

--- a/OUCC2015-Service_Oriented_Enterprise.pptx
+++ b/OUCC2015-Service_Oriented_Enterprise.pptx
@@ -353,7 +353,7 @@
             </a:pPr>
             <a:r>
               <a:rPr sz="6000"/>
-              <a:t>Click to edit Master title style</a:t>
+              <a:t>Title Text</a:t>
             </a:r>
           </a:p>
         </p:txBody>
@@ -384,6 +384,30 @@
               <a:buNone/>
               <a:defRPr sz="2400"/>
             </a:lvl1pPr>
+            <a:lvl2pPr marL="0" indent="457189" algn="ctr">
+              <a:buSzTx/>
+              <a:buFontTx/>
+              <a:buNone/>
+              <a:defRPr sz="2400"/>
+            </a:lvl2pPr>
+            <a:lvl3pPr marL="0" indent="914377" algn="ctr">
+              <a:buSzTx/>
+              <a:buFontTx/>
+              <a:buNone/>
+              <a:defRPr sz="2400"/>
+            </a:lvl3pPr>
+            <a:lvl4pPr marL="0" indent="1371565" algn="ctr">
+              <a:buSzTx/>
+              <a:buFontTx/>
+              <a:buNone/>
+              <a:defRPr sz="2400"/>
+            </a:lvl4pPr>
+            <a:lvl5pPr marL="0" indent="1828754" algn="ctr">
+              <a:buSzTx/>
+              <a:buFontTx/>
+              <a:buNone/>
+              <a:defRPr sz="2400"/>
+            </a:lvl5pPr>
           </a:lstStyle>
           <a:p>
             <a:pPr lvl="0">
@@ -391,7 +415,47 @@
             </a:pPr>
             <a:r>
               <a:rPr sz="2400"/>
-              <a:t>Click to edit Master subtitle style</a:t>
+              <a:t>Body Level One</a:t>
+            </a:r>
+            <a:endParaRPr sz="2400"/>
+          </a:p>
+          <a:p>
+            <a:pPr lvl="1">
+              <a:defRPr sz="1800"/>
+            </a:pPr>
+            <a:r>
+              <a:rPr sz="2400"/>
+              <a:t>Body Level Two</a:t>
+            </a:r>
+            <a:endParaRPr sz="2400"/>
+          </a:p>
+          <a:p>
+            <a:pPr lvl="2">
+              <a:defRPr sz="1800"/>
+            </a:pPr>
+            <a:r>
+              <a:rPr sz="2400"/>
+              <a:t>Body Level Three</a:t>
+            </a:r>
+            <a:endParaRPr sz="2400"/>
+          </a:p>
+          <a:p>
+            <a:pPr lvl="3">
+              <a:defRPr sz="1800"/>
+            </a:pPr>
+            <a:r>
+              <a:rPr sz="2400"/>
+              <a:t>Body Level Four</a:t>
+            </a:r>
+            <a:endParaRPr sz="2400"/>
+          </a:p>
+          <a:p>
+            <a:pPr lvl="4">
+              <a:defRPr sz="1800"/>
+            </a:pPr>
+            <a:r>
+              <a:rPr sz="2400"/>
+              <a:t>Body Level Five</a:t>
             </a:r>
           </a:p>
         </p:txBody>
@@ -466,7 +530,7 @@
             </a:pPr>
             <a:r>
               <a:rPr sz="4400"/>
-              <a:t>Click to edit Master title style</a:t>
+              <a:t>Title Text</a:t>
             </a:r>
           </a:p>
         </p:txBody>
@@ -493,7 +557,7 @@
             </a:pPr>
             <a:r>
               <a:rPr sz="2800"/>
-              <a:t>Click to edit Master text styles</a:t>
+              <a:t>Body Level One</a:t>
             </a:r>
             <a:endParaRPr sz="2800"/>
           </a:p>
@@ -503,7 +567,7 @@
             </a:pPr>
             <a:r>
               <a:rPr sz="2800"/>
-              <a:t>Second level</a:t>
+              <a:t>Body Level Two</a:t>
             </a:r>
             <a:endParaRPr sz="2800"/>
           </a:p>
@@ -513,7 +577,7 @@
             </a:pPr>
             <a:r>
               <a:rPr sz="2800"/>
-              <a:t>Third level</a:t>
+              <a:t>Body Level Three</a:t>
             </a:r>
             <a:endParaRPr sz="2800"/>
           </a:p>
@@ -523,7 +587,7 @@
             </a:pPr>
             <a:r>
               <a:rPr sz="2800"/>
-              <a:t>Fourth level</a:t>
+              <a:t>Body Level Four</a:t>
             </a:r>
             <a:endParaRPr sz="2800"/>
           </a:p>
@@ -533,7 +597,7 @@
             </a:pPr>
             <a:r>
               <a:rPr sz="2800"/>
-              <a:t>Fifth level</a:t>
+              <a:t>Body Level Five</a:t>
             </a:r>
           </a:p>
         </p:txBody>
@@ -612,7 +676,7 @@
             </a:pPr>
             <a:r>
               <a:rPr sz="4400"/>
-              <a:t>Click to edit Master title style</a:t>
+              <a:t>Title Text</a:t>
             </a:r>
           </a:p>
         </p:txBody>
@@ -643,7 +707,7 @@
             </a:pPr>
             <a:r>
               <a:rPr sz="2800"/>
-              <a:t>Click to edit Master text styles</a:t>
+              <a:t>Body Level One</a:t>
             </a:r>
             <a:endParaRPr sz="2800"/>
           </a:p>
@@ -653,7 +717,7 @@
             </a:pPr>
             <a:r>
               <a:rPr sz="2800"/>
-              <a:t>Second level</a:t>
+              <a:t>Body Level Two</a:t>
             </a:r>
             <a:endParaRPr sz="2800"/>
           </a:p>
@@ -663,7 +727,7 @@
             </a:pPr>
             <a:r>
               <a:rPr sz="2800"/>
-              <a:t>Third level</a:t>
+              <a:t>Body Level Three</a:t>
             </a:r>
             <a:endParaRPr sz="2800"/>
           </a:p>
@@ -673,7 +737,7 @@
             </a:pPr>
             <a:r>
               <a:rPr sz="2800"/>
-              <a:t>Fourth level</a:t>
+              <a:t>Body Level Four</a:t>
             </a:r>
             <a:endParaRPr sz="2800"/>
           </a:p>
@@ -683,7 +747,7 @@
             </a:pPr>
             <a:r>
               <a:rPr sz="2800"/>
-              <a:t>Fifth level</a:t>
+              <a:t>Body Level Five</a:t>
             </a:r>
           </a:p>
         </p:txBody>
@@ -758,7 +822,7 @@
             </a:pPr>
             <a:r>
               <a:rPr sz="4400"/>
-              <a:t>Click to edit Master title style</a:t>
+              <a:t>Title Text</a:t>
             </a:r>
           </a:p>
         </p:txBody>
@@ -785,7 +849,7 @@
             </a:pPr>
             <a:r>
               <a:rPr sz="2800"/>
-              <a:t>Click to edit Master text styles</a:t>
+              <a:t>Body Level One</a:t>
             </a:r>
             <a:endParaRPr sz="2800"/>
           </a:p>
@@ -795,7 +859,7 @@
             </a:pPr>
             <a:r>
               <a:rPr sz="2800"/>
-              <a:t>Second level</a:t>
+              <a:t>Body Level Two</a:t>
             </a:r>
             <a:endParaRPr sz="2800"/>
           </a:p>
@@ -805,7 +869,7 @@
             </a:pPr>
             <a:r>
               <a:rPr sz="2800"/>
-              <a:t>Third level</a:t>
+              <a:t>Body Level Three</a:t>
             </a:r>
             <a:endParaRPr sz="2800"/>
           </a:p>
@@ -815,7 +879,7 @@
             </a:pPr>
             <a:r>
               <a:rPr sz="2800"/>
-              <a:t>Fourth level</a:t>
+              <a:t>Body Level Four</a:t>
             </a:r>
             <a:endParaRPr sz="2800"/>
           </a:p>
@@ -825,7 +889,7 @@
             </a:pPr>
             <a:r>
               <a:rPr sz="2800"/>
-              <a:t>Fifth level</a:t>
+              <a:t>Body Level Five</a:t>
             </a:r>
           </a:p>
         </p:txBody>
@@ -908,7 +972,7 @@
             </a:pPr>
             <a:r>
               <a:rPr sz="6000"/>
-              <a:t>Click to edit Master title style</a:t>
+              <a:t>Title Text</a:t>
             </a:r>
           </a:p>
         </p:txBody>
@@ -943,6 +1007,46 @@
                 </a:solidFill>
               </a:defRPr>
             </a:lvl1pPr>
+            <a:lvl2pPr marL="0" indent="457189">
+              <a:buSzTx/>
+              <a:buFontTx/>
+              <a:buNone/>
+              <a:defRPr sz="2400">
+                <a:solidFill>
+                  <a:srgbClr val="888888"/>
+                </a:solidFill>
+              </a:defRPr>
+            </a:lvl2pPr>
+            <a:lvl3pPr marL="0" indent="914377">
+              <a:buSzTx/>
+              <a:buFontTx/>
+              <a:buNone/>
+              <a:defRPr sz="2400">
+                <a:solidFill>
+                  <a:srgbClr val="888888"/>
+                </a:solidFill>
+              </a:defRPr>
+            </a:lvl3pPr>
+            <a:lvl4pPr marL="0" indent="1371565">
+              <a:buSzTx/>
+              <a:buFontTx/>
+              <a:buNone/>
+              <a:defRPr sz="2400">
+                <a:solidFill>
+                  <a:srgbClr val="888888"/>
+                </a:solidFill>
+              </a:defRPr>
+            </a:lvl4pPr>
+            <a:lvl5pPr marL="0" indent="1828754">
+              <a:buSzTx/>
+              <a:buFontTx/>
+              <a:buNone/>
+              <a:defRPr sz="2400">
+                <a:solidFill>
+                  <a:srgbClr val="888888"/>
+                </a:solidFill>
+              </a:defRPr>
+            </a:lvl5pPr>
           </a:lstStyle>
           <a:p>
             <a:pPr lvl="0">
@@ -958,7 +1062,95 @@
                   <a:srgbClr val="888888"/>
                 </a:solidFill>
               </a:rPr>
-              <a:t>Click to edit Master text styles</a:t>
+              <a:t>Body Level One</a:t>
+            </a:r>
+            <a:endParaRPr sz="2400">
+              <a:solidFill>
+                <a:srgbClr val="888888"/>
+              </a:solidFill>
+            </a:endParaRPr>
+          </a:p>
+          <a:p>
+            <a:pPr lvl="1">
+              <a:defRPr sz="1800">
+                <a:solidFill>
+                  <a:srgbClr val="000000"/>
+                </a:solidFill>
+              </a:defRPr>
+            </a:pPr>
+            <a:r>
+              <a:rPr sz="2400">
+                <a:solidFill>
+                  <a:srgbClr val="888888"/>
+                </a:solidFill>
+              </a:rPr>
+              <a:t>Body Level Two</a:t>
+            </a:r>
+            <a:endParaRPr sz="2400">
+              <a:solidFill>
+                <a:srgbClr val="888888"/>
+              </a:solidFill>
+            </a:endParaRPr>
+          </a:p>
+          <a:p>
+            <a:pPr lvl="2">
+              <a:defRPr sz="1800">
+                <a:solidFill>
+                  <a:srgbClr val="000000"/>
+                </a:solidFill>
+              </a:defRPr>
+            </a:pPr>
+            <a:r>
+              <a:rPr sz="2400">
+                <a:solidFill>
+                  <a:srgbClr val="888888"/>
+                </a:solidFill>
+              </a:rPr>
+              <a:t>Body Level Three</a:t>
+            </a:r>
+            <a:endParaRPr sz="2400">
+              <a:solidFill>
+                <a:srgbClr val="888888"/>
+              </a:solidFill>
+            </a:endParaRPr>
+          </a:p>
+          <a:p>
+            <a:pPr lvl="3">
+              <a:defRPr sz="1800">
+                <a:solidFill>
+                  <a:srgbClr val="000000"/>
+                </a:solidFill>
+              </a:defRPr>
+            </a:pPr>
+            <a:r>
+              <a:rPr sz="2400">
+                <a:solidFill>
+                  <a:srgbClr val="888888"/>
+                </a:solidFill>
+              </a:rPr>
+              <a:t>Body Level Four</a:t>
+            </a:r>
+            <a:endParaRPr sz="2400">
+              <a:solidFill>
+                <a:srgbClr val="888888"/>
+              </a:solidFill>
+            </a:endParaRPr>
+          </a:p>
+          <a:p>
+            <a:pPr lvl="4">
+              <a:defRPr sz="1800">
+                <a:solidFill>
+                  <a:srgbClr val="000000"/>
+                </a:solidFill>
+              </a:defRPr>
+            </a:pPr>
+            <a:r>
+              <a:rPr sz="2400">
+                <a:solidFill>
+                  <a:srgbClr val="888888"/>
+                </a:solidFill>
+              </a:rPr>
+              <a:t>Body Level Five</a:t>
             </a:r>
           </a:p>
         </p:txBody>
@@ -1033,7 +1225,7 @@
             </a:pPr>
             <a:r>
               <a:rPr sz="4400"/>
-              <a:t>Click to edit Master title style</a:t>
+              <a:t>Title Text</a:t>
             </a:r>
           </a:p>
         </p:txBody>
@@ -1064,7 +1256,7 @@
             </a:pPr>
             <a:r>
               <a:rPr sz="2800"/>
-              <a:t>Click to edit Master text styles</a:t>
+              <a:t>Body Level One</a:t>
             </a:r>
             <a:endParaRPr sz="2800"/>
           </a:p>
@@ -1074,7 +1266,7 @@
             </a:pPr>
             <a:r>
               <a:rPr sz="2800"/>
-              <a:t>Second level</a:t>
+              <a:t>Body Level Two</a:t>
             </a:r>
             <a:endParaRPr sz="2800"/>
           </a:p>
@@ -1084,7 +1276,7 @@
             </a:pPr>
             <a:r>
               <a:rPr sz="2800"/>
-              <a:t>Third level</a:t>
+              <a:t>Body Level Three</a:t>
             </a:r>
             <a:endParaRPr sz="2800"/>
           </a:p>
@@ -1094,7 +1286,7 @@
             </a:pPr>
             <a:r>
               <a:rPr sz="2800"/>
-              <a:t>Fourth level</a:t>
+              <a:t>Body Level Four</a:t>
             </a:r>
             <a:endParaRPr sz="2800"/>
           </a:p>
@@ -1104,7 +1296,7 @@
             </a:pPr>
             <a:r>
               <a:rPr sz="2800"/>
-              <a:t>Fifth level</a:t>
+              <a:t>Body Level Five</a:t>
             </a:r>
           </a:p>
         </p:txBody>
@@ -1183,7 +1375,7 @@
             </a:pPr>
             <a:r>
               <a:rPr sz="4400"/>
-              <a:t>Click to edit Master title style</a:t>
+              <a:t>Title Text</a:t>
             </a:r>
           </a:p>
         </p:txBody>
@@ -1214,6 +1406,30 @@
               <a:buNone/>
               <a:defRPr b="1" sz="2400"/>
             </a:lvl1pPr>
+            <a:lvl2pPr marL="0" indent="457189">
+              <a:buSzTx/>
+              <a:buFontTx/>
+              <a:buNone/>
+              <a:defRPr b="1" sz="2400"/>
+            </a:lvl2pPr>
+            <a:lvl3pPr marL="0" indent="914377">
+              <a:buSzTx/>
+              <a:buFontTx/>
+              <a:buNone/>
+              <a:defRPr b="1" sz="2400"/>
+            </a:lvl3pPr>
+            <a:lvl4pPr marL="0" indent="1371565">
+              <a:buSzTx/>
+              <a:buFontTx/>
+              <a:buNone/>
+              <a:defRPr b="1" sz="2400"/>
+            </a:lvl4pPr>
+            <a:lvl5pPr marL="0" indent="1828754">
+              <a:buSzTx/>
+              <a:buFontTx/>
+              <a:buNone/>
+              <a:defRPr b="1" sz="2400"/>
+            </a:lvl5pPr>
           </a:lstStyle>
           <a:p>
             <a:pPr lvl="0">
@@ -1221,7 +1437,47 @@
             </a:pPr>
             <a:r>
               <a:rPr b="1" sz="2400"/>
-              <a:t>Click to edit Master text styles</a:t>
+              <a:t>Body Level One</a:t>
+            </a:r>
+            <a:endParaRPr b="1" sz="2400"/>
+          </a:p>
+          <a:p>
+            <a:pPr lvl="1">
+              <a:defRPr b="0" sz="1800"/>
+            </a:pPr>
+            <a:r>
+              <a:rPr b="1" sz="2400"/>
+              <a:t>Body Level Two</a:t>
+            </a:r>
+            <a:endParaRPr b="1" sz="2400"/>
+          </a:p>
+          <a:p>
+            <a:pPr lvl="2">
+              <a:defRPr b="0" sz="1800"/>
+            </a:pPr>
+            <a:r>
+              <a:rPr b="1" sz="2400"/>
+              <a:t>Body Level Three</a:t>
+            </a:r>
+            <a:endParaRPr b="1" sz="2400"/>
+          </a:p>
+          <a:p>
+            <a:pPr lvl="3">
+              <a:defRPr b="0" sz="1800"/>
+            </a:pPr>
+            <a:r>
+              <a:rPr b="1" sz="2400"/>
+              <a:t>Body Level Four</a:t>
+            </a:r>
+            <a:endParaRPr b="1" sz="2400"/>
+          </a:p>
+          <a:p>
+            <a:pPr lvl="4">
+              <a:defRPr b="0" sz="1800"/>
+            </a:pPr>
+            <a:r>
+              <a:rPr b="1" sz="2400"/>
+              <a:t>Body Level Five</a:t>
             </a:r>
           </a:p>
         </p:txBody>
@@ -1300,7 +1556,7 @@
             </a:pPr>
             <a:r>
               <a:rPr sz="4400"/>
-              <a:t>Click to edit Master title style</a:t>
+              <a:t>Title Text</a:t>
             </a:r>
           </a:p>
         </p:txBody>
@@ -1431,7 +1687,7 @@
             </a:pPr>
             <a:r>
               <a:rPr sz="3200"/>
-              <a:t>Click to edit Master title style</a:t>
+              <a:t>Title Text</a:t>
             </a:r>
           </a:p>
         </p:txBody>
@@ -1478,7 +1734,7 @@
             </a:pPr>
             <a:r>
               <a:rPr sz="3200"/>
-              <a:t>Click to edit Master text styles</a:t>
+              <a:t>Body Level One</a:t>
             </a:r>
             <a:endParaRPr sz="3200"/>
           </a:p>
@@ -1488,7 +1744,7 @@
             </a:pPr>
             <a:r>
               <a:rPr sz="3200"/>
-              <a:t>Second level</a:t>
+              <a:t>Body Level Two</a:t>
             </a:r>
             <a:endParaRPr sz="3200"/>
           </a:p>
@@ -1498,7 +1754,7 @@
             </a:pPr>
             <a:r>
               <a:rPr sz="3200"/>
-              <a:t>Third level</a:t>
+              <a:t>Body Level Three</a:t>
             </a:r>
             <a:endParaRPr sz="3200"/>
           </a:p>
@@ -1508,7 +1764,7 @@
             </a:pPr>
             <a:r>
               <a:rPr sz="3200"/>
-              <a:t>Fourth level</a:t>
+              <a:t>Body Level Four</a:t>
             </a:r>
             <a:endParaRPr sz="3200"/>
           </a:p>
@@ -1518,7 +1774,7 @@
             </a:pPr>
             <a:r>
               <a:rPr sz="3200"/>
-              <a:t>Fifth level</a:t>
+              <a:t>Body Level Five</a:t>
             </a:r>
           </a:p>
         </p:txBody>
@@ -1601,7 +1857,7 @@
             </a:pPr>
             <a:r>
               <a:rPr sz="3200"/>
-              <a:t>Click to edit Master title style</a:t>
+              <a:t>Title Text</a:t>
             </a:r>
           </a:p>
         </p:txBody>
@@ -1632,6 +1888,30 @@
               <a:buNone/>
               <a:defRPr sz="1600"/>
             </a:lvl1pPr>
+            <a:lvl2pPr marL="0" indent="457189">
+              <a:buSzTx/>
+              <a:buFontTx/>
+              <a:buNone/>
+              <a:defRPr sz="1600"/>
+            </a:lvl2pPr>
+            <a:lvl3pPr marL="0" indent="914377">
+              <a:buSzTx/>
+              <a:buFontTx/>
+              <a:buNone/>
+              <a:defRPr sz="1600"/>
+            </a:lvl3pPr>
+            <a:lvl4pPr marL="0" indent="1371565">
+              <a:buSzTx/>
+              <a:buFontTx/>
+              <a:buNone/>
+              <a:defRPr sz="1600"/>
+            </a:lvl4pPr>
+            <a:lvl5pPr marL="0" indent="1828754">
+              <a:buSzTx/>
+              <a:buFontTx/>
+              <a:buNone/>
+              <a:defRPr sz="1600"/>
+            </a:lvl5pPr>
           </a:lstStyle>
           <a:p>
             <a:pPr lvl="0">
@@ -1639,7 +1919,47 @@
             </a:pPr>
             <a:r>
               <a:rPr sz="1600"/>
-              <a:t>Click to edit Master text styles</a:t>
+              <a:t>Body Level One</a:t>
+            </a:r>
+            <a:endParaRPr sz="1600"/>
+          </a:p>
+          <a:p>
+            <a:pPr lvl="1">
+              <a:defRPr sz="1800"/>
+            </a:pPr>
+            <a:r>
+              <a:rPr sz="1600"/>
+              <a:t>Body Level Two</a:t>
+            </a:r>
+            <a:endParaRPr sz="1600"/>
+          </a:p>
+          <a:p>
+            <a:pPr lvl="2">
+              <a:defRPr sz="1800"/>
+            </a:pPr>
+            <a:r>
+              <a:rPr sz="1600"/>
+              <a:t>Body Level Three</a:t>
+            </a:r>
+            <a:endParaRPr sz="1600"/>
+          </a:p>
+          <a:p>
+            <a:pPr lvl="3">
+              <a:defRPr sz="1800"/>
+            </a:pPr>
+            <a:r>
+              <a:rPr sz="1600"/>
+              <a:t>Body Level Four</a:t>
+            </a:r>
+            <a:endParaRPr sz="1600"/>
+          </a:p>
+          <a:p>
+            <a:pPr lvl="4">
+              <a:defRPr sz="1800"/>
+            </a:pPr>
+            <a:r>
+              <a:rPr sz="1600"/>
+              <a:t>Body Level Five</a:t>
             </a:r>
           </a:p>
         </p:txBody>
@@ -1735,7 +2055,7 @@
             </a:pPr>
             <a:r>
               <a:rPr sz="4400"/>
-              <a:t>Click to edit Master title style</a:t>
+              <a:t>Title Text</a:t>
             </a:r>
           </a:p>
         </p:txBody>
@@ -1776,7 +2096,7 @@
             </a:pPr>
             <a:r>
               <a:rPr sz="2800"/>
-              <a:t>Click to edit Master text styles</a:t>
+              <a:t>Body Level One</a:t>
             </a:r>
             <a:endParaRPr sz="2800"/>
           </a:p>
@@ -1786,7 +2106,7 @@
             </a:pPr>
             <a:r>
               <a:rPr sz="2800"/>
-              <a:t>Second level</a:t>
+              <a:t>Body Level Two</a:t>
             </a:r>
             <a:endParaRPr sz="2800"/>
           </a:p>
@@ -1796,7 +2116,7 @@
             </a:pPr>
             <a:r>
               <a:rPr sz="2800"/>
-              <a:t>Third level</a:t>
+              <a:t>Body Level Three</a:t>
             </a:r>
             <a:endParaRPr sz="2800"/>
           </a:p>
@@ -1806,7 +2126,7 @@
             </a:pPr>
             <a:r>
               <a:rPr sz="2800"/>
-              <a:t>Fourth level</a:t>
+              <a:t>Body Level Four</a:t>
             </a:r>
             <a:endParaRPr sz="2800"/>
           </a:p>
@@ -1816,7 +2136,7 @@
             </a:pPr>
             <a:r>
               <a:rPr sz="2800"/>
-              <a:t>Fifth level</a:t>
+              <a:t>Body Level Five</a:t>
             </a:r>
           </a:p>
         </p:txBody>
@@ -2313,8 +2633,8 @@
         </p:nvSpPr>
         <p:spPr>
           <a:xfrm>
-            <a:off x="3048000" y="2393243"/>
-            <a:ext cx="9144000" cy="1655765"/>
+            <a:off x="3048000" y="2393244"/>
+            <a:ext cx="9144000" cy="1655764"/>
           </a:xfrm>
           <a:prstGeom prst="rect">
             <a:avLst/>
@@ -2727,7 +3047,7 @@
             </a:pPr>
             <a:r>
               <a:rPr sz="2744"/>
-              <a:t>By improving specialization, the cost of production (of services) can be driven down.  By increasing the number of customers, revenue can increase as as marginal costs decrease.</a:t>
+              <a:t>By improving specialization, the cost of production (of services) can be driven down.  By increasing the number of customers, revenue can increase as marginal costs decrease.</a:t>
             </a:r>
             <a:endParaRPr sz="2744"/>
           </a:p>
@@ -3507,8 +3827,8 @@
         </p:blipFill>
         <p:spPr>
           <a:xfrm>
-            <a:off x="838199" y="1733549"/>
-            <a:ext cx="10515601" cy="4835543"/>
+            <a:off x="838200" y="1733550"/>
+            <a:ext cx="10515600" cy="4835542"/>
           </a:xfrm>
           <a:prstGeom prst="rect">
             <a:avLst/>
@@ -4401,10 +4721,6 @@
           </p:nvPr>
         </p:nvSpPr>
         <p:spPr>
-          <a:xfrm>
-            <a:off x="8610600" y="6404294"/>
-            <a:ext cx="2743200" cy="269241"/>
-          </a:xfrm>
           <a:prstGeom prst="rect">
             <a:avLst/>
           </a:prstGeom>
@@ -4708,7 +5024,7 @@
         <p:spPr>
           <a:xfrm>
             <a:off x="838200" y="365127"/>
-            <a:ext cx="10515600" cy="1325564"/>
+            <a:ext cx="10515600" cy="1325563"/>
           </a:xfrm>
           <a:prstGeom prst="rect">
             <a:avLst/>
@@ -5162,10 +5478,6 @@
           </p:nvPr>
         </p:nvSpPr>
         <p:spPr>
-          <a:xfrm>
-            <a:off x="8610600" y="6404294"/>
-            <a:ext cx="2743200" cy="269241"/>
-          </a:xfrm>
           <a:prstGeom prst="rect">
             <a:avLst/>
           </a:prstGeom>
@@ -5213,8 +5525,8 @@
         </p:blipFill>
         <p:spPr>
           <a:xfrm>
-            <a:off x="1080752" y="1420037"/>
-            <a:ext cx="10030335" cy="4797925"/>
+            <a:off x="1080751" y="1420037"/>
+            <a:ext cx="10030336" cy="4797924"/>
           </a:xfrm>
           <a:prstGeom prst="rect">
             <a:avLst/>
@@ -5691,7 +6003,7 @@
         <p:spPr>
           <a:xfrm>
             <a:off x="742093" y="1572646"/>
-            <a:ext cx="10395695" cy="5163727"/>
+            <a:ext cx="10395695" cy="5163728"/>
           </a:xfrm>
           <a:prstGeom prst="rect">
             <a:avLst/>
@@ -5829,7 +6141,7 @@
             </a:pPr>
             <a:r>
               <a:rPr sz="2800"/>
-              <a:t>Enterprise Architecture has a slew of approaches, not one size fits all.</a:t>
+              <a:t>Enterprise Architecture has many approaches, not one size fits all.</a:t>
             </a:r>
             <a:endParaRPr sz="2800"/>
           </a:p>
@@ -6214,7 +6526,7 @@
         <p:spPr>
           <a:xfrm>
             <a:off x="5232765" y="1609322"/>
-            <a:ext cx="1859292" cy="2381350"/>
+            <a:ext cx="1859293" cy="2381350"/>
           </a:xfrm>
           <a:prstGeom prst="rect">
             <a:avLst/>
@@ -6268,8 +6580,8 @@
         </p:nvSpPr>
         <p:spPr>
           <a:xfrm>
-            <a:off x="9000746" y="6140410"/>
-            <a:ext cx="1449733" cy="370841"/>
+            <a:off x="9000745" y="6140410"/>
+            <a:ext cx="1449734" cy="370841"/>
           </a:xfrm>
           <a:prstGeom prst="rect">
             <a:avLst/>
@@ -6313,7 +6625,7 @@
         <p:spPr>
           <a:xfrm>
             <a:off x="7272590" y="1689421"/>
-            <a:ext cx="4906044" cy="4045545"/>
+            <a:ext cx="4906045" cy="4045545"/>
           </a:xfrm>
           <a:prstGeom prst="rect">
             <a:avLst/>
@@ -6841,7 +7153,7 @@
         <p:spPr>
           <a:xfrm>
             <a:off x="838200" y="365127"/>
-            <a:ext cx="10515600" cy="1325564"/>
+            <a:ext cx="10515600" cy="1325563"/>
           </a:xfrm>
           <a:prstGeom prst="rect">
             <a:avLst/>
@@ -6872,7 +7184,7 @@
         <p:spPr>
           <a:xfrm>
             <a:off x="838200" y="1785050"/>
-            <a:ext cx="10515600" cy="3714565"/>
+            <a:ext cx="10515600" cy="3714564"/>
           </a:xfrm>
           <a:prstGeom prst="rect">
             <a:avLst/>
@@ -7327,10 +7639,6 @@
           </p:nvPr>
         </p:nvSpPr>
         <p:spPr>
-          <a:xfrm>
-            <a:off x="8610600" y="6404294"/>
-            <a:ext cx="2743200" cy="269241"/>
-          </a:xfrm>
           <a:prstGeom prst="rect">
             <a:avLst/>
           </a:prstGeom>
@@ -7716,10 +8024,6 @@
           </p:nvPr>
         </p:nvSpPr>
         <p:spPr>
-          <a:xfrm>
-            <a:off x="8610600" y="6404294"/>
-            <a:ext cx="2743200" cy="269241"/>
-          </a:xfrm>
           <a:prstGeom prst="rect">
             <a:avLst/>
           </a:prstGeom>
@@ -7853,10 +8157,6 @@
           </p:nvPr>
         </p:nvSpPr>
         <p:spPr>
-          <a:xfrm>
-            <a:off x="8610600" y="6404294"/>
-            <a:ext cx="2743200" cy="269241"/>
-          </a:xfrm>
           <a:prstGeom prst="rect">
             <a:avLst/>
           </a:prstGeom>
@@ -8034,10 +8334,6 @@
           </p:nvPr>
         </p:nvSpPr>
         <p:spPr>
-          <a:xfrm>
-            <a:off x="8610600" y="6404294"/>
-            <a:ext cx="2743200" cy="269241"/>
-          </a:xfrm>
           <a:prstGeom prst="rect">
             <a:avLst/>
           </a:prstGeom>
@@ -8191,10 +8487,6 @@
           </p:nvPr>
         </p:nvSpPr>
         <p:spPr>
-          <a:xfrm>
-            <a:off x="8610600" y="6404294"/>
-            <a:ext cx="2743200" cy="269241"/>
-          </a:xfrm>
           <a:prstGeom prst="rect">
             <a:avLst/>
           </a:prstGeom>
@@ -8319,7 +8611,7 @@
             </a:pPr>
             <a:r>
               <a:rPr sz="2800"/>
-              <a:t>There is evidence that an organization is able to thrive in their market after adopting an SOA mandate They were able to develop marketable value-add functionality following their adoption of SOA. They accomplished this by imposing a requirement that everyone always use ’Services.’ Amazon used a series of Lego blocks to combine functionality in a wide variety of ways.</a:t>
+              <a:t>There is evidence that an organization is able to thrive in their market after adopting an SOA mandate. They were able to develop marketable value-add functionality following their adoption of SOA. They accomplished this by imposing a requirement that everyone always use ’Services.’ Amazon used a series of Lego blocks to combine functionality in a wide variety of ways.</a:t>
             </a:r>
           </a:p>
         </p:txBody>
@@ -8333,10 +8625,6 @@
           </p:nvPr>
         </p:nvSpPr>
         <p:spPr>
-          <a:xfrm>
-            <a:off x="8610600" y="6404294"/>
-            <a:ext cx="2743200" cy="269241"/>
-          </a:xfrm>
           <a:prstGeom prst="rect">
             <a:avLst/>
           </a:prstGeom>
@@ -8739,7 +9027,7 @@
         <p:spPr>
           <a:xfrm>
             <a:off x="838200" y="365127"/>
-            <a:ext cx="10515600" cy="1325564"/>
+            <a:ext cx="10515600" cy="1325563"/>
           </a:xfrm>
           <a:prstGeom prst="rect">
             <a:avLst/>
@@ -9592,10 +9880,6 @@
           </p:nvPr>
         </p:nvSpPr>
         <p:spPr>
-          <a:xfrm>
-            <a:off x="8610600" y="6404294"/>
-            <a:ext cx="2743200" cy="269241"/>
-          </a:xfrm>
           <a:prstGeom prst="rect">
             <a:avLst/>
           </a:prstGeom>
@@ -9919,7 +10203,7 @@
         </p:nvSpPr>
         <p:spPr>
           <a:xfrm>
-            <a:off x="9229692" y="5789266"/>
+            <a:off x="9229691" y="5789266"/>
             <a:ext cx="1505017" cy="458179"/>
           </a:xfrm>
           <a:prstGeom prst="rect">
@@ -10015,10 +10299,6 @@
           </p:nvPr>
         </p:nvSpPr>
         <p:spPr>
-          <a:xfrm>
-            <a:off x="8610600" y="6404294"/>
-            <a:ext cx="2743200" cy="269241"/>
-          </a:xfrm>
           <a:prstGeom prst="rect">
             <a:avLst/>
           </a:prstGeom>
